--- a/CSI3010 Data Warehousing Data Mining/reference materials/module-2 data preprocessing/4_Data Discretization.pptx
+++ b/CSI3010 Data Warehousing Data Mining/reference materials/module-2 data preprocessing/4_Data Discretization.pptx
@@ -14,10 +14,11 @@
     <p:sldId id="262" r:id="rId8"/>
     <p:sldId id="263" r:id="rId9"/>
     <p:sldId id="264" r:id="rId10"/>
-    <p:sldId id="266" r:id="rId11"/>
-    <p:sldId id="267" r:id="rId12"/>
-    <p:sldId id="268" r:id="rId13"/>
-    <p:sldId id="269" r:id="rId14"/>
+    <p:sldId id="270" r:id="rId11"/>
+    <p:sldId id="266" r:id="rId12"/>
+    <p:sldId id="267" r:id="rId13"/>
+    <p:sldId id="268" r:id="rId14"/>
+    <p:sldId id="269" r:id="rId15"/>
   </p:sldIdLst>
   <p:sldSz cx="12192000" cy="6858000"/>
   <p:notesSz cx="6858000" cy="9144000"/>
@@ -124,6 +125,230 @@
 </p:presentation>
 </file>
 
+<file path=ppt/ink/ink1.xml><?xml version="1.0" encoding="utf-8"?>
+<inkml:ink xmlns:inkml="http://www.w3.org/2003/InkML">
+  <inkml:definitions>
+    <inkml:context xml:id="ctx0">
+      <inkml:inkSource xml:id="inkSrc0">
+        <inkml:traceFormat>
+          <inkml:channel name="X" type="integer" min="-2.14748E9" max="2.14748E9" units="cm"/>
+          <inkml:channel name="Y" type="integer" min="-2.14748E9" max="2.14748E9" units="cm"/>
+          <inkml:channel name="F" type="integer" max="32767" units="dev"/>
+        </inkml:traceFormat>
+        <inkml:channelProperties>
+          <inkml:channelProperty channel="X" name="resolution" value="1000" units="1/cm"/>
+          <inkml:channelProperty channel="Y" name="resolution" value="1000" units="1/cm"/>
+          <inkml:channelProperty channel="F" name="resolution" value="0" units="1/dev"/>
+        </inkml:channelProperties>
+      </inkml:inkSource>
+      <inkml:timestamp xml:id="ts0" timeString="2022-05-15T18:46:31.564"/>
+    </inkml:context>
+    <inkml:brush xml:id="br0">
+      <inkml:brushProperty name="width" value="0.1" units="cm"/>
+      <inkml:brushProperty name="height" value="0.1" units="cm"/>
+      <inkml:brushProperty name="color" value="#E71224"/>
+    </inkml:brush>
+  </inkml:definitions>
+  <inkml:trace contextRef="#ctx0" brushRef="#br0">1 0 24575,'0'26'0,"0"35"0,0 14 0,0-23 0,0 3 0,0 0 0,0 0 0,0-2 0,0-1 0,0 46 0,2-10 0,3-8 0,4 3-929,4 6 929,1 5 0,0-5 0,0-1 0,0-5 0,0-5 305,-1-3-305,-2-10 0,-4-8 154,-4-10-154,-2-8 0,-1-8 0,0-5 470,0-2-470,0-1 0,0 0 0,0-3 0,0 5 0,0-9 0,0 8 0,0-9 0,0 4 0,0 1 0,0-3 0,0 0 0,0-3 0,0 0 0,0 0 0,0 1 0,0 0 0,0 1 0,0 3 0,0 0 0,0 0 0,0-2 0,0 0 0,0-1 0,0-1 0,0-2 0,0-3 0,0-1 0,0 0 0,0 0 0,0-1 0,2-2 0,0-3 0,0-3 0,0 0 0</inkml:trace>
+</inkml:ink>
+</file>
+
+<file path=ppt/ink/ink2.xml><?xml version="1.0" encoding="utf-8"?>
+<inkml:ink xmlns:inkml="http://www.w3.org/2003/InkML">
+  <inkml:definitions>
+    <inkml:context xml:id="ctx0">
+      <inkml:inkSource xml:id="inkSrc0">
+        <inkml:traceFormat>
+          <inkml:channel name="X" type="integer" min="-2.14748E9" max="2.14748E9" units="cm"/>
+          <inkml:channel name="Y" type="integer" min="-2.14748E9" max="2.14748E9" units="cm"/>
+          <inkml:channel name="F" type="integer" max="32767" units="dev"/>
+        </inkml:traceFormat>
+        <inkml:channelProperties>
+          <inkml:channelProperty channel="X" name="resolution" value="1000" units="1/cm"/>
+          <inkml:channelProperty channel="Y" name="resolution" value="1000" units="1/cm"/>
+          <inkml:channelProperty channel="F" name="resolution" value="0" units="1/dev"/>
+        </inkml:channelProperties>
+      </inkml:inkSource>
+      <inkml:timestamp xml:id="ts0" timeString="2022-05-15T18:46:35.149"/>
+    </inkml:context>
+    <inkml:brush xml:id="br0">
+      <inkml:brushProperty name="width" value="0.1" units="cm"/>
+      <inkml:brushProperty name="height" value="0.1" units="cm"/>
+      <inkml:brushProperty name="color" value="#E71224"/>
+    </inkml:brush>
+  </inkml:definitions>
+  <inkml:trace contextRef="#ctx0" brushRef="#br0">1 253 24575,'39'0'0,"8"0"0,10 0 0,34 0 0,-32 0 0,4 0-2769,17 0 0,6 0 2769,-16 0 0,3 0 0,2 0 0,2 0 0,2 0 0,2 0 0,6 0 0,2 0 0,1 0-428,1 0 0,1 0 0,0 0 428,4 0 0,0 0 0,1 0 0,-20 0 0,1 0 0,0 0 0,0 0-781,4 0 1,0 0-1,0 0 1,0 0 780,-3 0 0,-1-1 0,1 1 0,0 1 0,3-1 0,0 1 0,1 0 0,0 1 0,3 0 0,2 0 0,-1 1 0,1 0-703,2 1 0,0 0 0,0 0 0,1 1 703,5 0 0,3 1 0,-2 0 0,-2 0 0,-8-1 0,-3 1 0,-1 0 0,0-1-20,-6 0 1,-1-1 0,-1 0 0,0 0 19,21 2 0,0-1 0,-2-1-135,-2 0 1,-1 0 0,1-1 134,3 0 0,0 0 0,-1 1 0,-4 0 0,-1 1 0,-1 0 0,-5-1 0,-2-1 0,-1 1 0,-6 0 0,-1 1 0,-1-1 745,28 3 1,-4 0-746,-22-2 0,-6 0 3179,21 3-3179,-2-4 3331,-39-4-3331,7-1 0,5-1 2540,29-3-2540,-27 0 0,9-2 0,4 0-1314,14-1 1,5-1-1,3 0 1314,-15 1 0,2 0 0,2-1 0,3 0 0,-9 2 0,2-1 0,2 0 0,-1 1 0,-1-1 0,10 0 0,-2-1 0,1 1 0,5-2 0,-15 2 0,5-1 0,2-1 0,-1 1 0,-2 0 0,-5 1 0,9 0 0,-6 1 0,-1 0 0,6-1 0,0 0 0,5-2 0,2 1 0,-4 0 0,-9 1 0,7 2 0,-9 0 0,4 1 0,-5 0 0,3-1 0,1 1 0,-2-1 0,-3 1 0,-2-1 0,1 1 0,-1 0 0,2-1 0,1 1 0,-2-1 0,-1 1-676,16-1 0,-3 1 0,-4 0 676,-13 1 0,-4 0 0,-3 2 0,17-1 0,-6 1 0,-11 2 0,-5 0 0,28 0 0,-9 0 0,-8-3 0,0-3 0,15-1 0,-16 3 0,8 0 0,3 0 0,-6 0-240,-2-1 0,-3 0 1,5 1 239,7 1 0,7 0 0,0 1 0,-6 1 0,-3 0 0,-5 1 0,4 1 0,-3-1 0,4 0 0,2 0 0,0 0 0,7 0 0,2 0 0,0 0 0,-2 0 0,-6 0 0,-1 0 0,-1 0 0,-3 0 0,15 0 0,-3 0 0,0 0 610,0 0 1,1 0-1,-1 0-610,3 0 0,1 0 0,0 0 0,1-1 0,0 1 0,0 1 0,-2 0 0,0 1 0,-1 0 0,-5 1 0,-1 0 0,-2 1 0,-11-1 0,-1 1 0,-2 0 0,27 2 0,-5 0 0,-15-2 0,-4-2 0,-10 0 0,-1 0 0,-5-1 0,-2 1 1109,-1 0 1,-3 0-1110,32 1 0,-15 1 0,-13-2 0,-11-2 2129,-7 0-2129,-6 0 3204,-3 0-3204,-3 0 0,-3 0 0,-2 0 0,-4 1 0,1 2 0,0 1 0,0 0 0,3 1 0,2 3 0,2-1 0,2 4 0,3 2 0,10 14 0,-14-8 0,12 18 0,-17-11 0,6 10 0,-3 8 0,-6 5 0,-2 6 0,-3 3 0,1 2 0,-4 3 0,-2 0 0,-4 1 0,-3-1 0,0-3 0,0-1 0,0-5 0,0-6 0,0-1 0,0-5 0,0 0 0,0-2 0,0-2 0,0-1 0,-2 2 0,-1-1 0,0-1 0,0 2 0,2-3 0,-1-2 0,-1-3 0,0-6 0,1-2 0,1-4 0,1-3 0,-2-4 0,0-3 0,-1 0 0,1-2 0,2 0 0,0-1 0,0 1 0,0 2 0,0 2 0,0-4 0,0 4 0,0-4 0,0 1 0,0 1 0,0 0 0,0 0 0,0 0 0,0 0 0,0-1 0,0 1 0,0-3 0,0-1 0,0-1 0,-2-1 0,0 0 0,0 0 0,0 0 0,1 3 0,1 1 0,0 0 0,0 2 0,0 0 0,0 0 0,0 2 0,0 3 0,0 3 0,0 2 0,0 1 0,0 0 0,0-2 0,-1-4 0,-2-2 0,1-2 0,-1-2 0,3 4 0,-2-5 0,-2 2 0,-3-7 0,-1 2 0,-1-1 0,0-1 0,0 0 0,4-2 0,1 0 0</inkml:trace>
+</inkml:ink>
+</file>
+
+<file path=ppt/ink/ink3.xml><?xml version="1.0" encoding="utf-8"?>
+<inkml:ink xmlns:inkml="http://www.w3.org/2003/InkML">
+  <inkml:definitions>
+    <inkml:context xml:id="ctx0">
+      <inkml:inkSource xml:id="inkSrc0">
+        <inkml:traceFormat>
+          <inkml:channel name="X" type="integer" min="-2.14748E9" max="2.14748E9" units="cm"/>
+          <inkml:channel name="Y" type="integer" min="-2.14748E9" max="2.14748E9" units="cm"/>
+          <inkml:channel name="F" type="integer" max="32767" units="dev"/>
+        </inkml:traceFormat>
+        <inkml:channelProperties>
+          <inkml:channelProperty channel="X" name="resolution" value="1000" units="1/cm"/>
+          <inkml:channelProperty channel="Y" name="resolution" value="1000" units="1/cm"/>
+          <inkml:channelProperty channel="F" name="resolution" value="0" units="1/dev"/>
+        </inkml:channelProperties>
+      </inkml:inkSource>
+      <inkml:timestamp xml:id="ts0" timeString="2022-05-15T18:46:42.873"/>
+    </inkml:context>
+    <inkml:brush xml:id="br0">
+      <inkml:brushProperty name="width" value="0.1" units="cm"/>
+      <inkml:brushProperty name="height" value="0.1" units="cm"/>
+      <inkml:brushProperty name="color" value="#E71224"/>
+    </inkml:brush>
+  </inkml:definitions>
+  <inkml:trace contextRef="#ctx0" brushRef="#br0">1 478 24575,'27'0'0,"55"0"0,-6 0 0,-14 0 0,4 0 0,1 0 0,-1 0 0,-10 0 0,5 0-1492,24 0 0,11 0 0,-10 0 1492,-23 0 0,0 0 0,15 0 0,9 0 0,-12 0 496,23 0-496,-36 0 0,0 0 0,-9 0 0,-2 0 0,47 0 757,-7 0-757,-8 0 0,9 0 0,-4 0 0,-3 0 0,-9 0 0,-4 0 0,-3 0 0,0 0 2265,0 0-2265,-8 0 771,-3-1-771,-3-2 187,-9 0-187,-8 0 0,0 2 0,0 1 0,22 0 0,24-2 0,-20 0 0,6 0-1000,18-1 0,5 0 1000,-26 0 0,1 0 0,1 1 0,3-1 0,0 1 0,-1 0 0,30-2 0,-2 1 0,-3-1 0,0-1 0,-3 0 0,-2-2 0,-3 0 0,-1-1 0,-6-1 0,-2 0 0,-10 1 0,-2 0-381,-5-1 1,-3 0 380,-3-1 0,-1 1 0,-5-1 0,0 0 0,2 0 0,-2-1 0,44-8 0,-13 1 0,-7 1 0,-11 6 0,-9 2 0,-8 2 0,-14 3 1917,-7 2-1917,1 2 844,18 0-844,32 0 0,-22 0 0,7 0 0,29 0 0,9 0-1058,-20 0 0,3 0 0,1 0 1058,7 0 0,2 0 0,0 0 0,0 0 0,-1 0 0,-2 0 0,-8 0 0,-3 0 0,-1 0 0,-6 0 0,-2 0 0,0 0 0,29 0 0,-1 0-840,-5 0 0,0 0 840,-3 0 0,0 0 0,-5 0 0,1 0 0,-18 0 0,3 0 0,-5 0 0,1 0 0,-1 0 0,26 0 0,-3 0 0,-34 0 0,-2 0 0,6 0 0,0 0 0,-6 0 0,-2 0 0,22 0 0,-14 0 0,-2 0 0,35 0 0,-12 0-1120,-17-2 1,7 0 1119,18 0 0,-1-1 0,-22 1 0,2-1 0,4 1 0,7-1 0,-4 0 0,2 0 0,-1 1 0,22-1 0,3 1 0,-1 0 0,0 0 0,-31 1 0,1 0 0,0-1 0,-1 1 0,1-1 0,-1 0 0,31-2 0,0-1 0,-3 0 0,-2 1 0,-13 0 0,-4 0 889,-9 0 0,-2 1-889,-7 1 0,-2 0 1631,39-1-1631,-11 3 0,-18 0 0,-10 0 0,31 0 0,-3 0-661,-18 0 1,6 0 660,-2 0 0,1 0 0,14-2 0,3 0 0,8-1 0,2 1 0,0-1 0,0 1 269,-27 0 0,1 1 0,1 0-269,1 0 0,0 1 0,0 1 0,2-1 0,0 0 0,0 0 0,-1 0 0,0 0 0,0 0 0,-6 0 0,-1 0 0,-1 0 0,27 0 0,-3 0 0,-8 0 0,-1 0 0,-1 0 0,0 0 0,-1 0 0,-1 0 0,-1-1 0,-2 2 0,-4-1 0,-1 1 0,-10 1 0,-1 0-29,-3 1 1,-1 0 28,-4 1 0,0 0 0,1-1 0,1-1 0,2 0 0,1 0 0,1-1 0,0-1 0,-1 0 0,-2 0 0,45 0 0,-49 0 0,0 0 0,44 0 0,-3-2 0,-5-4 0,-15-7 0,1-3 0,-6-1 0,-6 2 1384,-8 2-1384,-5 1 1927,5 2-1927,-22 2 944,11 2-944,-20 3 0,7 0 0,-3 3 0,-3 0 0,-3 0 0,-3 0 0,-1 0 0,1 0 0,6 0 0,0 0 0,5 0 0,2 0 0,0 0 0,0 0 0,-3 0 0,-1 0 0,-1 0 0,-6 0 0,-4 0 0,-4 0 0,-2 0 0,0 0 0,0 0 0,0 0 0,0 0 0,1 0 0,2 0 0,2 0 0,2 0 0,4 0 0,2 0 0,0 0 0,-2 0 0,-4 0 0,-2 0 0,0 0 0,1 0 0,-1 0 0,1 2 0,1 1 0,6 2 0,1 0 0,5-2 0,-5 1 0,-1-1 0,-4-1 0,1 3 0,-1-2 0,-1 0 0,6-1 0,2 1 0,7 0 0,5 0 0,2 2 0,2 0 0,1 0 0,-1 0 0,-4-2 0,-7-2 0,-8-1 0,-10 0 0,-6 0 0</inkml:trace>
+</inkml:ink>
+</file>
+
+<file path=ppt/ink/ink4.xml><?xml version="1.0" encoding="utf-8"?>
+<inkml:ink xmlns:inkml="http://www.w3.org/2003/InkML">
+  <inkml:definitions>
+    <inkml:context xml:id="ctx0">
+      <inkml:inkSource xml:id="inkSrc0">
+        <inkml:traceFormat>
+          <inkml:channel name="X" type="integer" min="-2.14748E9" max="2.14748E9" units="cm"/>
+          <inkml:channel name="Y" type="integer" min="-2.14748E9" max="2.14748E9" units="cm"/>
+          <inkml:channel name="F" type="integer" max="32767" units="dev"/>
+        </inkml:traceFormat>
+        <inkml:channelProperties>
+          <inkml:channelProperty channel="X" name="resolution" value="1000" units="1/cm"/>
+          <inkml:channelProperty channel="Y" name="resolution" value="1000" units="1/cm"/>
+          <inkml:channelProperty channel="F" name="resolution" value="0" units="1/dev"/>
+        </inkml:channelProperties>
+      </inkml:inkSource>
+      <inkml:timestamp xml:id="ts0" timeString="2022-05-15T18:47:19.757"/>
+    </inkml:context>
+    <inkml:brush xml:id="br0">
+      <inkml:brushProperty name="width" value="0.1" units="cm"/>
+      <inkml:brushProperty name="height" value="0.1" units="cm"/>
+      <inkml:brushProperty name="color" value="#008C3A"/>
+    </inkml:brush>
+  </inkml:definitions>
+  <inkml:trace contextRef="#ctx0" brushRef="#br0">62 394 24575,'0'31'0,"0"53"0,0 1 0,0-14 0,0 3 0,0-14 0,0 0-937,0 8 0,0 4 937,3 12 0,1 2-750,0-1 0,0-1 750,1-5 0,0-3 0,2-10 0,-1-6-178,1 19 178,0-14 0,0 3 0,-2-1 0,0-3 0,1 4 1263,-3-16-1263,2 0 2075,-1 1-2075,2-4 214,0-1-214,-1-7 0,1-3 0,-3 5 0,1-19 0,-1 12 0,0-24 0,-1 9 0,0-11 0,0 1 0,1-2 0,-1-1 0,-1-1 0,2-3 0,0-2 0,2-2 0,2 0 0,8 2 0,11 2 0,12 4 0,17 3 0,11 2 0,13 1 0,12 0-476,8 1 476,-6-1 0,5 0 0,-8 0 0,8-3 0,-42-7 0,0 0 0,6-1 0,2 0 0,4-1 0,0 0-524,-6 0 0,-1 0 524,1 2 0,-2 0 0,25-2 0,-28 2 0,-1 1 0,24-1 0,17 3 0,-15 0 0,-3 0 0,4 0 0,-7-3 0,1-1 0,-4-3 0,8 0 0,-8 0 0,5 0 0,5 0 0,-6 0 0,6 0 0,-11 0 0,-3 0 0,-4 0 0,-4 0 0,-2 0 0,-4 0 450,-3 0-450,-1 0 1074,1 0-1074,4 0 0,2 0 0,3 0 0,3-2 0,1-2 0,0 1 0,-1 0 0,1 2 0,-1 1 0,-3 0 0,0-3 0,-4 0 0,0-1 0,-2-1 0,-2 2 0,-2-3 0,8-6 0,-22 5 0,14-6 0,-22 6 0,10-1 0,1 0 0,-4-1 0,0-2 0,-7 0 0,0 1 0,-3-3 0,-3 0 0,-1-2 0,-3 0 0,-2-2 0,-1-3 0,-3-2 0,-1-3 0,-2-3 0,-2-3 0,-1-4 0,-1-6 0,0-5 0,0-5 0,0-7 0,-1-5 0,-2-3 0,-1-2 0,-2-8 0,0 1 0,0-10 0,0 1 0,0-2 0,0-7-534,0 7 534,-3-10 0,-4 8 0,-4 3 0,1-2 0,0 6 0,0 3 0,-4-12 0,4 32 0,-3-15 0,7 32 0,0-7 0,0 9 0,-2 3 0,2 7 534,-2 3-534,3 3 0,2 3 0,-1 1 0,-1-1 0,-1-1 0,-2 0 0,2 2 0,1 2 0,0 3 0,1 2 0,-1 1 0,0 2 0,1 0 0,1 1 0,0 2 0,-1 1 0,-1 2 0,1 1 0,-2 0 0,-1 1 0,-1 1 0,-1 0 0,-2 0 0,-2 0 0,-6 0 0,-6 0 0,-4 0 0,-4 0 0,-3 0 0,-3 0 0,-5 0 0,-7 0 0,-5-3 0,-5 0 0,-18-1 0,26-1 0,-27 1 0,26 0 0,-15-1 0,1 1 0,5 0 0,3 2 0,5-1 0,5 0 0,3-3 0,0 0 0,0 0 0,-4-1 0,-5 0 0,0-3 0,0 0 0,0-3 0,-3 0 0,-3 0 0,-1 0 0,3 1 0,4-1 0,1 2 0,2 2 0,1 1 0,5 4 0,2-1 0,4 1 0,0 1 0,-2 0 0,-1 2 0,-6 1 0,-6 0 0,0 0 0,-7 0 0,-3 0 0,0 0 0,-6 0 0,0 0 0,-2 0 0,-23 0 0,36 0 0,-25 0 0,33 0 0,-16 0 0,4 0 0,2 0 0,4 0 0,3 0 0,1 0 0,4 0 0,8 0 0,0 3 0,-2 3 0,0 4 0,-1 2 0,3 0 0,2 0 0,0-1 0,1 1 0,0 0 0,4 2 0,1 1 0,2 2 0,-1-1 0,3 2 0,1-1 0,0 1 0,2-1 0,2-2 0,1 1 0,4-3 0,1 0 0,-2-2 0,0-1 0,1 0 0,1 0 0,2-1 0,0 1 0,1 0 0,2-3 0,1 0 0,-3-1 0,-1 0 0,3-3 0,-4 4 0,4-5 0,-2 1 0,0 1 0,0-1 0,0 0 0,-3 1 0,1-1 0,1-1 0,1 0 0,2-2 0,0 1 0,-1 1 0,0 1 0,3-1 0,0-1 0,-2-1 0,1 0 0,-3 0 0,1 0 0,3 0 0,1 0 0,2 0 0,2 0 0,3 0 0,2 0 0</inkml:trace>
+</inkml:ink>
+</file>
+
+<file path=ppt/ink/ink5.xml><?xml version="1.0" encoding="utf-8"?>
+<inkml:ink xmlns:inkml="http://www.w3.org/2003/InkML">
+  <inkml:definitions>
+    <inkml:context xml:id="ctx0">
+      <inkml:inkSource xml:id="inkSrc0">
+        <inkml:traceFormat>
+          <inkml:channel name="X" type="integer" min="-2.14748E9" max="2.14748E9" units="cm"/>
+          <inkml:channel name="Y" type="integer" min="-2.14748E9" max="2.14748E9" units="cm"/>
+          <inkml:channel name="F" type="integer" max="32767" units="dev"/>
+        </inkml:traceFormat>
+        <inkml:channelProperties>
+          <inkml:channelProperty channel="X" name="resolution" value="1000" units="1/cm"/>
+          <inkml:channelProperty channel="Y" name="resolution" value="1000" units="1/cm"/>
+          <inkml:channelProperty channel="F" name="resolution" value="0" units="1/dev"/>
+        </inkml:channelProperties>
+      </inkml:inkSource>
+      <inkml:timestamp xml:id="ts0" timeString="2022-05-15T18:47:23.923"/>
+    </inkml:context>
+    <inkml:brush xml:id="br0">
+      <inkml:brushProperty name="width" value="0.1" units="cm"/>
+      <inkml:brushProperty name="height" value="0.1" units="cm"/>
+      <inkml:brushProperty name="color" value="#008C3A"/>
+    </inkml:brush>
+  </inkml:definitions>
+  <inkml:trace contextRef="#ctx0" brushRef="#br0">0 451 24575,'0'28'0,"0"7"0,0 20 0,2-15 0,7 26 0,-2-38 0,14 52 0,-15-47 0,9 32 0,-13-36 0,4 7 0,-1-7 0,-2 0 0,2-3 0,-3-1 0,1 1 0,0 2 0,0 4 0,-1 1 0,1 2 0,-1-2 0,-2 0 0,0 1 0,0 2 0,0 3 0,0 1 0,0-1 0,0-2 0,0-2 0,0-4 0,0-3 0,0-6 0,0-3 0,0-4 0,0-2 0,0-2 0,0-1 0,0-2 0,0-2 0,0 0 0,0 1 0,0 2 0,0 0 0,0 2 0,0 3 0,0 8 0,0-5 0,0 6 0,0-8 0,0 7 0,0 1 0,0 0 0,0 3 0,0-3 0,0 0 0,0-1 0,0 0 0,0 3 0,0 0 0,0 0 0,0-1 0,0 0 0,0-1 0,0-2 0,0-4 0,1-1 0,1-1 0,0-1 0,1-1 0,-2-1 0,0-2 0,1-1 0,0 0 0,1 0 0,-1-1 0,0-1 0,0-1 0,2 1 0,0 2 0,3 0 0,1 0 0,1 0 0,5 0 0,9 3 0,11 5 0,6 1 0,39 10 0,-37-14 0,52 16 0,-28-11 0,24 6-406,2 0 406,5-6 0,-1-5 0,-44-8 0,2-1 0,-3 0 0,0-2 0,2 0 0,1-1 0,2 0 0,0-1 0,40-1 0,-44 0 0,-1 0 0,33 0 0,1 0 0,3 0 0,-6 0 0,-4 0 0,-6 0 0,-6 0 0,-6 0 0,1 0 0,-2 0 0,0 0 0,1 0 0,1 0 0,4 0 406,5 0-406,-1 0 0,1 0 0,-4 0 0,-4 0 0,-4 0 0,-8 0 0,-7 0 0,-6 0 0,-4 0 0,-3 0 0,0 0 0,-4 0 0,9 0 0,-11 0 0,11-4 0,-13-5 0,7-4 0,3-3 0,1 0 0,4-6 0,3-2 0,-3-5 0,2-3 0,2-1 0,-2-3 0,3-3 0,0-4 0,-4 0 0,-3-3 0,-5 0 0,-5 0 0,-2-2 0,-3 0 0,-3 0 0,-4-2 0,-1-2 0,0-3 0,-1-8 0,-3-11 0,-3-7 0,-4-5 0,-3-3 0,-4 5 0,-6 4 0,-6 4 0,-2 7 0,-2 4 0,1 7 0,-1 8 0,2 7 0,2 8 0,4 5 0,3 5 0,1 4 0,0 1 0,-2-2 0,4 5 0,-4-6 0,2 4 0,-4-7 0,-2-6 0,-1-8 0,0 0 0,0-3 0,-5-15 0,2 11 0,-8-19 0,13 35 0,-4-2 0,10 21 0,-4-3 0,-1 2 0,-2 1 0,-1 0 0,-2-1 0,-3-1 0,-1-2 0,-2 2 0,-4 0 0,0 3 0,-4-2 0,-4 1 0,-2-2 0,-2-1 0,-1 4 0,0 0 0,-3 2 0,1 0 0,3 0 0,1 0 0,3 3 0,-1 2 0,2-1 0,3 2 0,-9 0 0,15 0 0,-11 3 0,10 0 0,-9 0 0,1 0 0,-3 0 0,0 0 0,-5 0 0,-3 0 0,-3 0 0,-2 0 0,0 2 0,-5 3 0,1 1 0,0 3 0,1-2 0,8 2 0,4-1 0,4 1 0,4-1 0,2 0 0,2 0 0,1 1 0,2-2 0,1 1 0,0-2 0,1 1 0,-3 1 0,-1-1 0,-2 0 0,-1-1 0,-1 0 0,1-1 0,-3 1 0,-1 0 0,-3 0 0,0-1 0,-1 1 0,1 0 0,-1 0 0,-7 0 0,16 0 0,-13 2 0,16-2 0,-7 2 0,0 0 0,7 0 0,0 0 0,3-1 0,3 0 0,0 1 0,3 2 0,-2 0 0,-1 0 0,-2 0 0,1 1 0,1 0 0,-2-1 0,0-2 0,-1 0 0,1 0 0,0 1 0,0 1 0,1-1 0,2-1 0,3-1 0,4-1 0,1-1 0,3-2 0,0-1 0,4 0 0,0 1 0,0 0 0,2 0 0,-1 0 0,1-1 0,1-2 0,-2 0 0,-1 2 0,0 0 0,0 1 0,1-1 0,1-2 0,-2 0 0,1 0 0,-1 0 0,-1 0 0,-1 2 0,0 0 0,-2 0 0,0 0 0,-1-2 0,0 0 0,3 0 0,-1 0 0,0 0 0,2 0 0,0 0 0,1 0 0,0 0 0,1 0 0,-1 0 0,0 0 0,0 0 0,-1 0 0,-1 0 0,0 0 0,1 0 0,1 0 0,2 0 0,3 0 0,0 0 0</inkml:trace>
+</inkml:ink>
+</file>
+
+<file path=ppt/ink/ink6.xml><?xml version="1.0" encoding="utf-8"?>
+<inkml:ink xmlns:inkml="http://www.w3.org/2003/InkML">
+  <inkml:definitions>
+    <inkml:context xml:id="ctx0">
+      <inkml:inkSource xml:id="inkSrc0">
+        <inkml:traceFormat>
+          <inkml:channel name="X" type="integer" min="-2.14748E9" max="2.14748E9" units="cm"/>
+          <inkml:channel name="Y" type="integer" min="-2.14748E9" max="2.14748E9" units="cm"/>
+          <inkml:channel name="F" type="integer" max="32767" units="dev"/>
+        </inkml:traceFormat>
+        <inkml:channelProperties>
+          <inkml:channelProperty channel="X" name="resolution" value="1000" units="1/cm"/>
+          <inkml:channelProperty channel="Y" name="resolution" value="1000" units="1/cm"/>
+          <inkml:channelProperty channel="F" name="resolution" value="0" units="1/dev"/>
+        </inkml:channelProperties>
+      </inkml:inkSource>
+      <inkml:timestamp xml:id="ts0" timeString="2022-05-15T18:56:58.108"/>
+    </inkml:context>
+    <inkml:brush xml:id="br0">
+      <inkml:brushProperty name="width" value="0.1" units="cm"/>
+      <inkml:brushProperty name="height" value="0.1" units="cm"/>
+      <inkml:brushProperty name="color" value="#008C3A"/>
+    </inkml:brush>
+  </inkml:definitions>
+  <inkml:trace contextRef="#ctx0" brushRef="#br0">0 1 24575,'0'19'0,"0"9"0,0 22 0,0 13 0,0 15 0,0 6 0,0 3 0,0-3 0,0 5 0,0-1 0,0-3 0,2 2 0,4-7 0,2-1 0,1-5 0,-2-5 0,-1-7 0,3-2 0,0-2 0,1-6 0,-2-3 0,1-6 0,-3 0 0,2-12 0,-2 3 0,-3-16 0,1 2 0,-1-5 0,-1-4 0,0-2 0,-2-1 0,2-1 0,0-3 0,0-2 0,0-2 0</inkml:trace>
+</inkml:ink>
+</file>
+
+<file path=ppt/ink/ink7.xml><?xml version="1.0" encoding="utf-8"?>
+<inkml:ink xmlns:inkml="http://www.w3.org/2003/InkML">
+  <inkml:definitions>
+    <inkml:context xml:id="ctx0">
+      <inkml:inkSource xml:id="inkSrc0">
+        <inkml:traceFormat>
+          <inkml:channel name="X" type="integer" min="-2.14748E9" max="2.14748E9" units="cm"/>
+          <inkml:channel name="Y" type="integer" min="-2.14748E9" max="2.14748E9" units="cm"/>
+          <inkml:channel name="F" type="integer" max="32767" units="dev"/>
+        </inkml:traceFormat>
+        <inkml:channelProperties>
+          <inkml:channelProperty channel="X" name="resolution" value="1000" units="1/cm"/>
+          <inkml:channelProperty channel="Y" name="resolution" value="1000" units="1/cm"/>
+          <inkml:channelProperty channel="F" name="resolution" value="0" units="1/dev"/>
+        </inkml:channelProperties>
+      </inkml:inkSource>
+      <inkml:timestamp xml:id="ts0" timeString="2022-05-15T18:57:01.500"/>
+    </inkml:context>
+    <inkml:brush xml:id="br0">
+      <inkml:brushProperty name="width" value="0.1" units="cm"/>
+      <inkml:brushProperty name="height" value="0.1" units="cm"/>
+      <inkml:brushProperty name="color" value="#008C3A"/>
+    </inkml:brush>
+  </inkml:definitions>
+  <inkml:trace contextRef="#ctx0" brushRef="#br0">1 404 24575,'42'0'0,"43"0"0,-36 0 0,6 0-2359,6 0 0,8 0 1,1 0 2358,4 0 0,3 0 0,2 0 0,14 0 0,4 0 0,0 0 0,1 0 0,0 0 0,-1 0 0,-5 0 0,-3 0 0,0 0 0,-3 0 0,-2 0 0,3 0 0,-13 0 0,2 0 0,1 0 0,1 0-925,4 0 0,1 0 0,2 0 1,0 0 924,9 0 0,1 0 0,1 0 0,-2 0 0,-5 0 0,-1 0 0,-1 0 0,-2 0 0,15 0 0,-3 0 0,-2 0-37,-3 0 1,-2 0-1,-2 0 37,-9 0 0,-2 0 0,1 0 0,3-2 0,2-1 0,-6 2 0,5 0 0,-4 0 0,8-3 0,-7-1 0,-1 1 0,3-1 0,-27 2 0,44 3 0,-48 0 0,2 0 724,23-1 1,6-1-725,10 0 0,-2-1 1528,-25 1 1,1 0-1529,30 0 0,-1 0 0,-29 2 0,-1 0 0,21-2 0,3 0 0,3-1 0,1 1 0,3-1 0,0 1 0,-1-1 0,0 1 0,-3 2 0,-1 0 0,-3 0 0,0 0 0,0 0 0,0 0 0,-2 0 0,-2 0 0,-4 0 0,-2 0 0,-12 0 0,-2 0 1441,-9 0 1,-1 0-1442,33 0 0,-21 0 0,-10 0 0,-10 0 0,11 0 0,6-4 0,7-2 0,-7 2 0,3-2-53,29-3 1,1-1 52,-14 1 0,0 1-39,5-1 1,3 0 38,8 2 0,2 0 0,-30 3 0,0 1 0,1 0 0,1 0 0,0 0 0,1 0 0,0 1 0,0 1 0,0-1 0,-1 0 0,1 1 0,0-1 0,0 1 0,0 0 0,0 1 0,-1-1 0,0 1 0,0 1 0,-3-1 0,0 0 0,-1 0 0,28-1 0,-1-1 0,-3 0 0,-2 0 0,-4 0 0,-1-1 0,-4 0 0,-2-1 0,-8 2 0,-3-1-295,-7 0 0,-3-1 295,-4 0 0,-2-2-325,41-5 325,1 0 0,-7 0 0,-9 1 1281,-6 0-1281,-5-2 0,-4-1 1965,-5 1-1965,-5-1 936,-4 1-936,0 3 411,0 0-411,-3 0 0,9-3 0,-24 6 0,11-5 0,-24 8 0,3 0 0,-3 1 0,-5 2 0,-1 0 0,-3 0 0,-1 0 0,-3 5 0,-1 9 0,0 17 0,1 31 0,-1 27 0,-2-40 0,-1 2 0,0 48 0,0-5-214,0-44 0,0 2 214,0 5 0,0 1-414,0 6 1,0 0 413,0 0 0,0 1 0,0-1 0,0-1 0,0-4 0,0-1 0,0-4 0,0-1 0,0 43 0,0-14 0,0-7 0,0-15 0,0-17 0,0-13 411,0-12-411,0-4 211,0-6 0,0-2 0,0-4 0</inkml:trace>
+</inkml:ink>
+</file>
+
+<file path=ppt/ink/ink8.xml><?xml version="1.0" encoding="utf-8"?>
+<inkml:ink xmlns:inkml="http://www.w3.org/2003/InkML">
+  <inkml:definitions>
+    <inkml:context xml:id="ctx0">
+      <inkml:inkSource xml:id="inkSrc0">
+        <inkml:traceFormat>
+          <inkml:channel name="X" type="integer" min="-2.14748E9" max="2.14748E9" units="cm"/>
+          <inkml:channel name="Y" type="integer" min="-2.14748E9" max="2.14748E9" units="cm"/>
+          <inkml:channel name="F" type="integer" max="32767" units="dev"/>
+        </inkml:traceFormat>
+        <inkml:channelProperties>
+          <inkml:channelProperty channel="X" name="resolution" value="1000" units="1/cm"/>
+          <inkml:channelProperty channel="Y" name="resolution" value="1000" units="1/cm"/>
+          <inkml:channelProperty channel="F" name="resolution" value="0" units="1/dev"/>
+        </inkml:channelProperties>
+      </inkml:inkSource>
+      <inkml:timestamp xml:id="ts0" timeString="2022-05-15T18:57:04.550"/>
+    </inkml:context>
+    <inkml:brush xml:id="br0">
+      <inkml:brushProperty name="width" value="0.1" units="cm"/>
+      <inkml:brushProperty name="height" value="0.1" units="cm"/>
+      <inkml:brushProperty name="color" value="#008C3A"/>
+    </inkml:brush>
+  </inkml:definitions>
+  <inkml:trace contextRef="#ctx0" brushRef="#br0">0 339 24575,'18'0'0,"12"0"0,19 0 0,19 0 0,3 0 0,19 0 0,-39 0 0,2 0-208,2 0 0,2 0 208,6 0 0,1 0 0,-3 0 0,0 0 0,0 0 0,2 0 0,3 0 0,2 0 0,3 0 0,1 0-697,2 0 1,1 0 696,3 0 0,1 0 0,1 0 0,0 0 0,0 0 0,0 0 0,-1 0 0,-1 0 0,-1 0 0,-1 0 0,-3 0 0,-2 0 0,-5 0 0,-3 0 0,33 0 0,-16 0 0,-35 0 0,17 0 0,9 0 0,-4 0 0,7 0 0,-1 0 0,5 0-785,-4 0 1,7 0 0,-3 0 784,-10 0 0,-2 0 0,1 0 0,12 0 0,2 0 0,1 0 0,2 0 0,0 0 0,1 0 0,4 0 0,1 0 0,-1 0 0,-1 0 0,-1 0 0,0 0-870,-2 0 1,-1 1-1,4 1 870,-10 1 0,5 1 0,-2 0 0,-6 0 0,-5 0 0,-6 0 0,5 0-427,7 1 1,7 1-1,-3 1 1,-10-2 426,-3 1 0,-7-1 0,3 0 0,-6 0 0,12-1 2014,-31-4-2014,13 0 0,14 0 0,0 0 0,6 0 0,16-3 1237,-12 1 0,3 0-1237,-20-1 0,1 1 0,4 1 0,6 0 0,0 0 0,1 0 0,1 2 0,-4-1 137,15 0 0,2 0-137,-3-1 0,6-1 0,-5 1 0,-2-2 0,4 0 0,-5 0 0,11 0 0,1-1 0,-9 1-1513,18-3 1,-1 1 1512,-18 2 0,8-1 0,0 1 0,-12-1 0,9 0 0,-6-1-521,-13 1 0,2 0 0,0-1 521,29-2 0,-1 0 0,-8-1 0,-3-1 0,-7 1 0,-2 1 0,-1 1 0,-2 0 0,-8 0 0,-3 2 437,-4-1 0,-2 1-437,-3 1 0,-1 0 0,42-3 0,2 0 0,-5 2 0,3-1 0,-3-1 0,-8 0 0,2-3 0,-6-2 0,5-2 0,1-1 0,-8 1 0,-3-1 0,-6 1 1612,3 0-1612,-4-3 0,-3 0 3228,-7 0-3228,-5 4 2298,-1 2-2298,-3 1 291,-1 0-291,-6 0 0,2 2 0,-19 4 0,4 3 0,-16-2 0,1 0 0,-3-1 0,-2 1 0,0 2 0,0 0 0,2 0 0,3 0 0,3 0 0,6 0 0,2 1 0,3 2 0,-1 3 0,-2 3 0,-4 1 0,-5-1 0,-2-2 0,-4 0 0,-1-2 0,0 1 0,0 0 0,0-2 0,0 2 0,0 1 0,2 1 0,3 3 0,0 3 0,5 1 0,0 0 0,-1 0 0,2-2 0,-4 0 0,-1-2 0,-3-3 0,-3-3 0,0-1 0,0-1 0,-2-1 0,-2 0 0,-3-1 0</inkml:trace>
+</inkml:ink>
+</file>
+
 <file path=ppt/slideLayouts/slideLayout1.xml><?xml version="1.0" encoding="utf-8"?>
 <p:sldLayout xmlns:a="http://schemas.openxmlformats.org/drawingml/2006/main" xmlns:r="http://schemas.openxmlformats.org/officeDocument/2006/relationships" xmlns:p="http://schemas.openxmlformats.org/presentationml/2006/main" type="title" preserve="1">
   <p:cSld name="Title Slide">
@@ -255,7 +480,7 @@
           <a:p>
             <a:fld id="{5661F554-AF27-477D-90B1-F0E3291F71E0}" type="datetimeFigureOut">
               <a:rPr lang="en-IN" smtClean="0"/>
-              <a:t>19/02/22</a:t>
+              <a:t>15/05/22</a:t>
             </a:fld>
             <a:endParaRPr lang="en-IN"/>
           </a:p>
@@ -425,7 +650,7 @@
           <a:p>
             <a:fld id="{5661F554-AF27-477D-90B1-F0E3291F71E0}" type="datetimeFigureOut">
               <a:rPr lang="en-IN" smtClean="0"/>
-              <a:t>19/02/22</a:t>
+              <a:t>15/05/22</a:t>
             </a:fld>
             <a:endParaRPr lang="en-IN"/>
           </a:p>
@@ -605,7 +830,7 @@
           <a:p>
             <a:fld id="{5661F554-AF27-477D-90B1-F0E3291F71E0}" type="datetimeFigureOut">
               <a:rPr lang="en-IN" smtClean="0"/>
-              <a:t>19/02/22</a:t>
+              <a:t>15/05/22</a:t>
             </a:fld>
             <a:endParaRPr lang="en-IN"/>
           </a:p>
@@ -1038,7 +1263,7 @@
           <a:p>
             <a:fld id="{5661F554-AF27-477D-90B1-F0E3291F71E0}" type="datetimeFigureOut">
               <a:rPr lang="en-IN" smtClean="0"/>
-              <a:t>19/02/22</a:t>
+              <a:t>15/05/22</a:t>
             </a:fld>
             <a:endParaRPr lang="en-IN"/>
           </a:p>
@@ -1284,7 +1509,7 @@
           <a:p>
             <a:fld id="{5661F554-AF27-477D-90B1-F0E3291F71E0}" type="datetimeFigureOut">
               <a:rPr lang="en-IN" smtClean="0"/>
-              <a:t>19/02/22</a:t>
+              <a:t>15/05/22</a:t>
             </a:fld>
             <a:endParaRPr lang="en-IN"/>
           </a:p>
@@ -1516,7 +1741,7 @@
           <a:p>
             <a:fld id="{5661F554-AF27-477D-90B1-F0E3291F71E0}" type="datetimeFigureOut">
               <a:rPr lang="en-IN" smtClean="0"/>
-              <a:t>19/02/22</a:t>
+              <a:t>15/05/22</a:t>
             </a:fld>
             <a:endParaRPr lang="en-IN"/>
           </a:p>
@@ -1883,7 +2108,7 @@
           <a:p>
             <a:fld id="{5661F554-AF27-477D-90B1-F0E3291F71E0}" type="datetimeFigureOut">
               <a:rPr lang="en-IN" smtClean="0"/>
-              <a:t>19/02/22</a:t>
+              <a:t>15/05/22</a:t>
             </a:fld>
             <a:endParaRPr lang="en-IN"/>
           </a:p>
@@ -2001,7 +2226,7 @@
           <a:p>
             <a:fld id="{5661F554-AF27-477D-90B1-F0E3291F71E0}" type="datetimeFigureOut">
               <a:rPr lang="en-IN" smtClean="0"/>
-              <a:t>19/02/22</a:t>
+              <a:t>15/05/22</a:t>
             </a:fld>
             <a:endParaRPr lang="en-IN"/>
           </a:p>
@@ -2096,7 +2321,7 @@
           <a:p>
             <a:fld id="{5661F554-AF27-477D-90B1-F0E3291F71E0}" type="datetimeFigureOut">
               <a:rPr lang="en-IN" smtClean="0"/>
-              <a:t>19/02/22</a:t>
+              <a:t>15/05/22</a:t>
             </a:fld>
             <a:endParaRPr lang="en-IN"/>
           </a:p>
@@ -2373,7 +2598,7 @@
           <a:p>
             <a:fld id="{5661F554-AF27-477D-90B1-F0E3291F71E0}" type="datetimeFigureOut">
               <a:rPr lang="en-IN" smtClean="0"/>
-              <a:t>19/02/22</a:t>
+              <a:t>15/05/22</a:t>
             </a:fld>
             <a:endParaRPr lang="en-IN"/>
           </a:p>
@@ -2626,7 +2851,7 @@
           <a:p>
             <a:fld id="{5661F554-AF27-477D-90B1-F0E3291F71E0}" type="datetimeFigureOut">
               <a:rPr lang="en-IN" smtClean="0"/>
-              <a:t>19/02/22</a:t>
+              <a:t>15/05/22</a:t>
             </a:fld>
             <a:endParaRPr lang="en-IN"/>
           </a:p>
@@ -2839,7 +3064,7 @@
           <a:p>
             <a:fld id="{5661F554-AF27-477D-90B1-F0E3291F71E0}" type="datetimeFigureOut">
               <a:rPr lang="en-IN" smtClean="0"/>
-              <a:t>19/02/22</a:t>
+              <a:t>15/05/22</a:t>
             </a:fld>
             <a:endParaRPr lang="en-IN"/>
           </a:p>
@@ -3599,6 +3824,99 @@
           <a:chExt cx="0" cy="0"/>
         </a:xfrm>
       </p:grpSpPr>
+      <p:pic>
+        <p:nvPicPr>
+          <p:cNvPr id="6" name="Picture 5">
+            <a:extLst>
+              <a:ext uri="{FF2B5EF4-FFF2-40B4-BE49-F238E27FC236}">
+                <a16:creationId xmlns:a16="http://schemas.microsoft.com/office/drawing/2014/main" id="{54CE7E24-90C5-A3EC-5C55-F0D4B8034391}"/>
+              </a:ext>
+            </a:extLst>
+          </p:cNvPr>
+          <p:cNvPicPr>
+            <a:picLocks noChangeAspect="1"/>
+          </p:cNvPicPr>
+          <p:nvPr/>
+        </p:nvPicPr>
+        <p:blipFill>
+          <a:blip r:embed="rId2"/>
+          <a:stretch>
+            <a:fillRect/>
+          </a:stretch>
+        </p:blipFill>
+        <p:spPr>
+          <a:xfrm>
+            <a:off x="297590" y="164412"/>
+            <a:ext cx="7771371" cy="3951101"/>
+          </a:xfrm>
+          <a:prstGeom prst="rect">
+            <a:avLst/>
+          </a:prstGeom>
+        </p:spPr>
+      </p:pic>
+      <p:pic>
+        <p:nvPicPr>
+          <p:cNvPr id="7" name="Picture 6">
+            <a:extLst>
+              <a:ext uri="{FF2B5EF4-FFF2-40B4-BE49-F238E27FC236}">
+                <a16:creationId xmlns:a16="http://schemas.microsoft.com/office/drawing/2014/main" id="{1283C95D-9B4A-84BF-DA1E-55D66D4EEC91}"/>
+              </a:ext>
+            </a:extLst>
+          </p:cNvPr>
+          <p:cNvPicPr>
+            <a:picLocks noChangeAspect="1"/>
+          </p:cNvPicPr>
+          <p:nvPr/>
+        </p:nvPicPr>
+        <p:blipFill>
+          <a:blip r:embed="rId3"/>
+          <a:stretch>
+            <a:fillRect/>
+          </a:stretch>
+        </p:blipFill>
+        <p:spPr>
+          <a:xfrm>
+            <a:off x="4423719" y="4079626"/>
+            <a:ext cx="6416588" cy="2480948"/>
+          </a:xfrm>
+          <a:prstGeom prst="rect">
+            <a:avLst/>
+          </a:prstGeom>
+        </p:spPr>
+      </p:pic>
+    </p:spTree>
+    <p:extLst>
+      <p:ext uri="{BB962C8B-B14F-4D97-AF65-F5344CB8AC3E}">
+        <p14:creationId xmlns:p14="http://schemas.microsoft.com/office/powerpoint/2010/main" val="2687153708"/>
+      </p:ext>
+    </p:extLst>
+  </p:cSld>
+  <p:clrMapOvr>
+    <a:masterClrMapping/>
+  </p:clrMapOvr>
+  <p:transition>
+    <p:zoom/>
+  </p:transition>
+</p:sld>
+</file>
+
+<file path=ppt/slides/slide11.xml><?xml version="1.0" encoding="utf-8"?>
+<p:sld xmlns:a="http://schemas.openxmlformats.org/drawingml/2006/main" xmlns:r="http://schemas.openxmlformats.org/officeDocument/2006/relationships" xmlns:p="http://schemas.openxmlformats.org/presentationml/2006/main">
+  <p:cSld>
+    <p:spTree>
+      <p:nvGrpSpPr>
+        <p:cNvPr id="1" name=""/>
+        <p:cNvGrpSpPr/>
+        <p:nvPr/>
+      </p:nvGrpSpPr>
+      <p:grpSpPr>
+        <a:xfrm>
+          <a:off x="0" y="0"/>
+          <a:ext cx="0" cy="0"/>
+          <a:chOff x="0" y="0"/>
+          <a:chExt cx="0" cy="0"/>
+        </a:xfrm>
+      </p:grpSpPr>
       <p:sp>
         <p:nvSpPr>
           <p:cNvPr id="4" name="Date Placeholder 3"/>
@@ -3616,7 +3934,7 @@
           <a:p>
             <a:fld id="{C813B25B-7B2E-4FA6-9D96-B061ABEB2E19}" type="datetime4">
               <a:rPr lang="en-US" smtClean="0"/>
-              <a:t>February 19, 2022</a:t>
+              <a:t>May 16, 2022</a:t>
             </a:fld>
             <a:endParaRPr lang="en-IN"/>
           </a:p>
@@ -3639,7 +3957,7 @@
           <a:p>
             <a:fld id="{675EDB7F-48D0-4D1B-B252-2E4EBFB64C6A}" type="slidenum">
               <a:rPr lang="en-IN" smtClean="0"/>
-              <a:t>10</a:t>
+              <a:t>11</a:t>
             </a:fld>
             <a:endParaRPr lang="en-IN"/>
           </a:p>
@@ -3686,7 +4004,7 @@
         <p:spPr>
           <a:xfrm>
             <a:off x="5973413" y="1643088"/>
-            <a:ext cx="6560770" cy="2130421"/>
+            <a:ext cx="6108340" cy="1983507"/>
           </a:xfrm>
           <a:prstGeom prst="rect">
             <a:avLst/>
@@ -3706,7 +4024,7 @@
 </p:sld>
 </file>
 
-<file path=ppt/slides/slide11.xml><?xml version="1.0" encoding="utf-8"?>
+<file path=ppt/slides/slide12.xml><?xml version="1.0" encoding="utf-8"?>
 <p:sld xmlns:a="http://schemas.openxmlformats.org/drawingml/2006/main" xmlns:r="http://schemas.openxmlformats.org/officeDocument/2006/relationships" xmlns:p="http://schemas.openxmlformats.org/presentationml/2006/main">
   <p:cSld>
     <p:spTree>
@@ -3740,7 +4058,7 @@
           <a:p>
             <a:fld id="{C813B25B-7B2E-4FA6-9D96-B061ABEB2E19}" type="datetime4">
               <a:rPr lang="en-US" smtClean="0"/>
-              <a:t>February 19, 2022</a:t>
+              <a:t>May 16, 2022</a:t>
             </a:fld>
             <a:endParaRPr lang="en-IN"/>
           </a:p>
@@ -3763,7 +4081,7 @@
           <a:p>
             <a:fld id="{675EDB7F-48D0-4D1B-B252-2E4EBFB64C6A}" type="slidenum">
               <a:rPr lang="en-IN" smtClean="0"/>
-              <a:t>11</a:t>
+              <a:t>12</a:t>
             </a:fld>
             <a:endParaRPr lang="en-IN"/>
           </a:p>
@@ -3785,12 +4103,12 @@
           <a:graphicData uri="http://schemas.openxmlformats.org/presentationml/2006/ole">
             <mc:AlternateContent xmlns:mc="http://schemas.openxmlformats.org/markup-compatibility/2006">
               <mc:Choice xmlns:v="urn:schemas-microsoft-com:vml" Requires="v">
-                <p:oleObj spid="_x0000_s2062" name="Equation" r:id="rId3" imgW="1473120" imgH="660240" progId="Equation.3">
+                <p:oleObj name="Equation" r:id="rId2" imgW="1473120" imgH="660240" progId="Equation.3">
                   <p:embed/>
                 </p:oleObj>
               </mc:Choice>
               <mc:Fallback>
-                <p:oleObj name="Equation" r:id="rId3" imgW="1473120" imgH="660240" progId="Equation.3">
+                <p:oleObj name="Equation" r:id="rId2" imgW="1473120" imgH="660240" progId="Equation.3">
                   <p:embed/>
                   <p:pic>
                     <p:nvPicPr>
@@ -3801,7 +4119,7 @@
                       <p:nvPr/>
                     </p:nvPicPr>
                     <p:blipFill>
-                      <a:blip r:embed="rId4">
+                      <a:blip r:embed="rId3">
                         <a:extLst>
                           <a:ext uri="{28A0092B-C50C-407E-A947-70E740481C1C}">
                             <a14:useLocalDpi xmlns:a14="http://schemas.microsoft.com/office/drawing/2010/main" val="0"/>
@@ -3878,12 +4196,12 @@
           <a:graphicData uri="http://schemas.openxmlformats.org/presentationml/2006/ole">
             <mc:AlternateContent xmlns:mc="http://schemas.openxmlformats.org/markup-compatibility/2006">
               <mc:Choice xmlns:v="urn:schemas-microsoft-com:vml" Requires="v">
-                <p:oleObj spid="_x0000_s2063" name="Equation" r:id="rId5" imgW="622080" imgH="469800" progId="Equation.3">
+                <p:oleObj name="Equation" r:id="rId4" imgW="622080" imgH="469800" progId="Equation.3">
                   <p:embed/>
                 </p:oleObj>
               </mc:Choice>
               <mc:Fallback>
-                <p:oleObj name="Equation" r:id="rId5" imgW="622080" imgH="469800" progId="Equation.3">
+                <p:oleObj name="Equation" r:id="rId4" imgW="622080" imgH="469800" progId="Equation.3">
                   <p:embed/>
                   <p:pic>
                     <p:nvPicPr>
@@ -3894,7 +4212,7 @@
                       <p:nvPr/>
                     </p:nvPicPr>
                     <p:blipFill>
-                      <a:blip r:embed="rId6"/>
+                      <a:blip r:embed="rId5"/>
                       <a:srcRect/>
                       <a:stretch>
                         <a:fillRect/>
@@ -3958,7 +4276,7 @@
           <p:nvPr/>
         </p:nvPicPr>
         <p:blipFill>
-          <a:blip r:embed="rId7"/>
+          <a:blip r:embed="rId6"/>
           <a:stretch>
             <a:fillRect/>
           </a:stretch>
@@ -3986,7 +4304,7 @@
 </p:sld>
 </file>
 
-<file path=ppt/slides/slide12.xml><?xml version="1.0" encoding="utf-8"?>
+<file path=ppt/slides/slide13.xml><?xml version="1.0" encoding="utf-8"?>
 <p:sld xmlns:a="http://schemas.openxmlformats.org/drawingml/2006/main" xmlns:r="http://schemas.openxmlformats.org/officeDocument/2006/relationships" xmlns:p="http://schemas.openxmlformats.org/presentationml/2006/main">
   <p:cSld>
     <p:spTree>
@@ -4027,7 +4345,7 @@
                 </a:solidFill>
               </a:rPr>
               <a:pPr/>
-              <a:t>February 19, 2022</a:t>
+              <a:t>May 16, 2022</a:t>
             </a:fld>
             <a:endParaRPr lang="en-IN">
               <a:solidFill>
@@ -4063,7 +4381,7 @@
                 </a:solidFill>
               </a:rPr>
               <a:pPr/>
-              <a:t>12</a:t>
+              <a:t>13</a:t>
             </a:fld>
             <a:endParaRPr lang="en-IN">
               <a:solidFill>
@@ -4280,8 +4598,8 @@
         </p:nvSpPr>
         <p:spPr bwMode="auto">
           <a:xfrm>
-            <a:off x="304800" y="1066800"/>
-            <a:ext cx="8534400" cy="5486400"/>
+            <a:off x="-1" y="1066800"/>
+            <a:ext cx="12554465" cy="5486400"/>
           </a:xfrm>
           <a:prstGeom prst="rect">
             <a:avLst/>
@@ -4645,22 +4963,13 @@
               <a:defRPr/>
             </a:pPr>
             <a:r>
-              <a:rPr lang="en-US" sz="2000" kern="0" dirty="0" err="1">
+              <a:rPr lang="en-US" sz="2000" kern="0" dirty="0">
                 <a:solidFill>
                   <a:srgbClr val="000000"/>
                 </a:solidFill>
                 <a:latin typeface="Tahoma"/>
               </a:rPr>
-              <a:t>Cov</a:t>
-            </a:r>
-            <a:r>
-              <a:rPr lang="en-US" sz="2000" kern="0" dirty="0">
-                <a:solidFill>
-                  <a:srgbClr val="000000"/>
-                </a:solidFill>
-                <a:latin typeface="Tahoma"/>
-              </a:rPr>
-              <a:t>(A,B) = (2×5+3×8+5×10+4×11+6×14)/5 − 4 × 9.6 = 4</a:t>
+              <a:t>Covariance(A,B) = (2×5+3×8+5×10+4×11+6×14) / 5 − (4 × 9.6) = 4</a:t>
             </a:r>
           </a:p>
           <a:p>
@@ -4811,6 +5120,159 @@
           </a:extLst>
         </p:spPr>
       </p:pic>
+      <mc:AlternateContent xmlns:mc="http://schemas.openxmlformats.org/markup-compatibility/2006">
+        <mc:Choice xmlns:p14="http://schemas.microsoft.com/office/powerpoint/2010/main" Requires="p14">
+          <p:contentPart p14:bwMode="auto" r:id="rId4">
+            <p14:nvContentPartPr>
+              <p14:cNvPr id="2" name="Ink 1">
+                <a:extLst>
+                  <a:ext uri="{FF2B5EF4-FFF2-40B4-BE49-F238E27FC236}">
+                    <a16:creationId xmlns:a16="http://schemas.microsoft.com/office/drawing/2014/main" id="{A9917C2E-8F4E-B54E-8CDF-040AAB4D7460}"/>
+                  </a:ext>
+                </a:extLst>
+              </p14:cNvPr>
+              <p14:cNvContentPartPr/>
+              <p14:nvPr/>
+            </p14:nvContentPartPr>
+            <p14:xfrm>
+              <a:off x="2024056" y="2144471"/>
+              <a:ext cx="45360" cy="601560"/>
+            </p14:xfrm>
+          </p:contentPart>
+        </mc:Choice>
+        <mc:Fallback>
+          <p:pic>
+            <p:nvPicPr>
+              <p:cNvPr id="2" name="Ink 1">
+                <a:extLst>
+                  <a:ext uri="{FF2B5EF4-FFF2-40B4-BE49-F238E27FC236}">
+                    <a16:creationId xmlns:a16="http://schemas.microsoft.com/office/drawing/2014/main" id="{A9917C2E-8F4E-B54E-8CDF-040AAB4D7460}"/>
+                  </a:ext>
+                </a:extLst>
+              </p:cNvPr>
+              <p:cNvPicPr/>
+              <p:nvPr/>
+            </p:nvPicPr>
+            <p:blipFill>
+              <a:blip r:embed="rId5"/>
+              <a:stretch>
+                <a:fillRect/>
+              </a:stretch>
+            </p:blipFill>
+            <p:spPr>
+              <a:xfrm>
+                <a:off x="2006056" y="2126831"/>
+                <a:ext cx="81000" cy="637200"/>
+              </a:xfrm>
+              <a:prstGeom prst="rect">
+                <a:avLst/>
+              </a:prstGeom>
+            </p:spPr>
+          </p:pic>
+        </mc:Fallback>
+      </mc:AlternateContent>
+      <mc:AlternateContent xmlns:mc="http://schemas.openxmlformats.org/markup-compatibility/2006">
+        <mc:Choice xmlns:p14="http://schemas.microsoft.com/office/powerpoint/2010/main" Requires="p14">
+          <p:contentPart p14:bwMode="auto" r:id="rId6">
+            <p14:nvContentPartPr>
+              <p14:cNvPr id="3" name="Ink 2">
+                <a:extLst>
+                  <a:ext uri="{FF2B5EF4-FFF2-40B4-BE49-F238E27FC236}">
+                    <a16:creationId xmlns:a16="http://schemas.microsoft.com/office/drawing/2014/main" id="{AD37C33E-3996-E75A-FBCF-5119CF0A309B}"/>
+                  </a:ext>
+                </a:extLst>
+              </p14:cNvPr>
+              <p14:cNvContentPartPr/>
+              <p14:nvPr/>
+            </p14:nvContentPartPr>
+            <p14:xfrm>
+              <a:off x="2038816" y="2018831"/>
+              <a:ext cx="4472280" cy="631800"/>
+            </p14:xfrm>
+          </p:contentPart>
+        </mc:Choice>
+        <mc:Fallback>
+          <p:pic>
+            <p:nvPicPr>
+              <p:cNvPr id="3" name="Ink 2">
+                <a:extLst>
+                  <a:ext uri="{FF2B5EF4-FFF2-40B4-BE49-F238E27FC236}">
+                    <a16:creationId xmlns:a16="http://schemas.microsoft.com/office/drawing/2014/main" id="{AD37C33E-3996-E75A-FBCF-5119CF0A309B}"/>
+                  </a:ext>
+                </a:extLst>
+              </p:cNvPr>
+              <p:cNvPicPr/>
+              <p:nvPr/>
+            </p:nvPicPr>
+            <p:blipFill>
+              <a:blip r:embed="rId7"/>
+              <a:stretch>
+                <a:fillRect/>
+              </a:stretch>
+            </p:blipFill>
+            <p:spPr>
+              <a:xfrm>
+                <a:off x="2021176" y="2001191"/>
+                <a:ext cx="4507920" cy="667440"/>
+              </a:xfrm>
+              <a:prstGeom prst="rect">
+                <a:avLst/>
+              </a:prstGeom>
+            </p:spPr>
+          </p:pic>
+        </mc:Fallback>
+      </mc:AlternateContent>
+      <mc:AlternateContent xmlns:mc="http://schemas.openxmlformats.org/markup-compatibility/2006">
+        <mc:Choice xmlns:p14="http://schemas.microsoft.com/office/powerpoint/2010/main" Requires="p14">
+          <p:contentPart p14:bwMode="auto" r:id="rId8">
+            <p14:nvContentPartPr>
+              <p14:cNvPr id="10" name="Ink 9">
+                <a:extLst>
+                  <a:ext uri="{FF2B5EF4-FFF2-40B4-BE49-F238E27FC236}">
+                    <a16:creationId xmlns:a16="http://schemas.microsoft.com/office/drawing/2014/main" id="{F877DE26-F355-8AD5-CFC6-D6FE5DB47AD0}"/>
+                  </a:ext>
+                </a:extLst>
+              </p14:cNvPr>
+              <p14:cNvContentPartPr/>
+              <p14:nvPr/>
+            </p14:nvContentPartPr>
+            <p14:xfrm>
+              <a:off x="2099296" y="2641991"/>
+              <a:ext cx="4352040" cy="150480"/>
+            </p14:xfrm>
+          </p:contentPart>
+        </mc:Choice>
+        <mc:Fallback>
+          <p:pic>
+            <p:nvPicPr>
+              <p:cNvPr id="10" name="Ink 9">
+                <a:extLst>
+                  <a:ext uri="{FF2B5EF4-FFF2-40B4-BE49-F238E27FC236}">
+                    <a16:creationId xmlns:a16="http://schemas.microsoft.com/office/drawing/2014/main" id="{F877DE26-F355-8AD5-CFC6-D6FE5DB47AD0}"/>
+                  </a:ext>
+                </a:extLst>
+              </p:cNvPr>
+              <p:cNvPicPr/>
+              <p:nvPr/>
+            </p:nvPicPr>
+            <p:blipFill>
+              <a:blip r:embed="rId9"/>
+              <a:stretch>
+                <a:fillRect/>
+              </a:stretch>
+            </p:blipFill>
+            <p:spPr>
+              <a:xfrm>
+                <a:off x="2081296" y="2623991"/>
+                <a:ext cx="4387680" cy="186120"/>
+              </a:xfrm>
+              <a:prstGeom prst="rect">
+                <a:avLst/>
+              </a:prstGeom>
+            </p:spPr>
+          </p:pic>
+        </mc:Fallback>
+      </mc:AlternateContent>
     </p:spTree>
     <p:extLst>
       <p:ext uri="{BB962C8B-B14F-4D97-AF65-F5344CB8AC3E}">
@@ -4824,7 +5286,7 @@
 </p:sld>
 </file>
 
-<file path=ppt/slides/slide13.xml><?xml version="1.0" encoding="utf-8"?>
+<file path=ppt/slides/slide14.xml><?xml version="1.0" encoding="utf-8"?>
 <p:sld xmlns:a="http://schemas.openxmlformats.org/drawingml/2006/main" xmlns:r="http://schemas.openxmlformats.org/officeDocument/2006/relationships" xmlns:p="http://schemas.openxmlformats.org/presentationml/2006/main">
   <p:cSld>
     <p:spTree>
@@ -4843,12 +5305,12 @@
       </p:grpSpPr>
       <p:sp>
         <p:nvSpPr>
-          <p:cNvPr id="2" name="Title 1"/>
-          <p:cNvSpPr>
-            <a:spLocks noGrp="1"/>
-          </p:cNvSpPr>
-          <p:nvPr>
-            <p:ph type="title"/>
+          <p:cNvPr id="3" name="Content Placeholder 2"/>
+          <p:cNvSpPr>
+            <a:spLocks noGrp="1"/>
+          </p:cNvSpPr>
+          <p:nvPr>
+            <p:ph idx="1"/>
           </p:nvPr>
         </p:nvSpPr>
         <p:spPr/>
@@ -4862,12 +5324,12 @@
       </p:sp>
       <p:sp>
         <p:nvSpPr>
-          <p:cNvPr id="3" name="Content Placeholder 2"/>
-          <p:cNvSpPr>
-            <a:spLocks noGrp="1"/>
-          </p:cNvSpPr>
-          <p:nvPr>
-            <p:ph idx="1"/>
+          <p:cNvPr id="4" name="Date Placeholder 3"/>
+          <p:cNvSpPr>
+            <a:spLocks noGrp="1"/>
+          </p:cNvSpPr>
+          <p:nvPr>
+            <p:ph type="dt" sz="half" idx="10"/>
           </p:nvPr>
         </p:nvSpPr>
         <p:spPr/>
@@ -4875,18 +5337,22 @@
           <a:bodyPr/>
           <a:lstStyle/>
           <a:p>
+            <a:fld id="{C813B25B-7B2E-4FA6-9D96-B061ABEB2E19}" type="datetime4">
+              <a:rPr lang="en-US" smtClean="0"/>
+              <a:t>May 16, 2022</a:t>
+            </a:fld>
             <a:endParaRPr lang="en-IN"/>
           </a:p>
         </p:txBody>
       </p:sp>
       <p:sp>
         <p:nvSpPr>
-          <p:cNvPr id="4" name="Date Placeholder 3"/>
-          <p:cNvSpPr>
-            <a:spLocks noGrp="1"/>
-          </p:cNvSpPr>
-          <p:nvPr>
-            <p:ph type="dt" sz="half" idx="10"/>
+          <p:cNvPr id="5" name="Slide Number Placeholder 4"/>
+          <p:cNvSpPr>
+            <a:spLocks noGrp="1"/>
+          </p:cNvSpPr>
+          <p:nvPr>
+            <p:ph type="sldNum" sz="quarter" idx="12"/>
           </p:nvPr>
         </p:nvSpPr>
         <p:spPr/>
@@ -4894,32 +5360,9 @@
           <a:bodyPr/>
           <a:lstStyle/>
           <a:p>
-            <a:fld id="{C813B25B-7B2E-4FA6-9D96-B061ABEB2E19}" type="datetime4">
-              <a:rPr lang="en-US" smtClean="0"/>
-              <a:t>February 19, 2022</a:t>
-            </a:fld>
-            <a:endParaRPr lang="en-IN"/>
-          </a:p>
-        </p:txBody>
-      </p:sp>
-      <p:sp>
-        <p:nvSpPr>
-          <p:cNvPr id="5" name="Slide Number Placeholder 4"/>
-          <p:cNvSpPr>
-            <a:spLocks noGrp="1"/>
-          </p:cNvSpPr>
-          <p:nvPr>
-            <p:ph type="sldNum" sz="quarter" idx="12"/>
-          </p:nvPr>
-        </p:nvSpPr>
-        <p:spPr/>
-        <p:txBody>
-          <a:bodyPr/>
-          <a:lstStyle/>
-          <a:p>
             <a:fld id="{675EDB7F-48D0-4D1B-B252-2E4EBFB64C6A}" type="slidenum">
               <a:rPr lang="en-IN" smtClean="0"/>
-              <a:t>13</a:t>
+              <a:t>14</a:t>
             </a:fld>
             <a:endParaRPr lang="en-IN"/>
           </a:p>
@@ -5052,25 +5495,6 @@
           </a:p>
         </p:txBody>
       </p:sp>
-      <p:sp>
-        <p:nvSpPr>
-          <p:cNvPr id="3" name="Content Placeholder 2"/>
-          <p:cNvSpPr>
-            <a:spLocks noGrp="1"/>
-          </p:cNvSpPr>
-          <p:nvPr>
-            <p:ph idx="1"/>
-          </p:nvPr>
-        </p:nvSpPr>
-        <p:spPr/>
-        <p:txBody>
-          <a:bodyPr/>
-          <a:lstStyle/>
-          <a:p>
-            <a:endParaRPr lang="en-IN"/>
-          </a:p>
-        </p:txBody>
-      </p:sp>
       <p:pic>
         <p:nvPicPr>
           <p:cNvPr id="4" name="Picture 1"/>
@@ -5622,7 +6046,7 @@
           <a:p>
             <a:fld id="{203C70F8-9260-46EE-95EB-85E3F5E1787D}" type="datetime4">
               <a:rPr lang="en-US" smtClean="0"/>
-              <a:t>February 19, 2022</a:t>
+              <a:t>May 15, 2022</a:t>
             </a:fld>
             <a:endParaRPr lang="en-US"/>
           </a:p>
@@ -5869,12 +6293,12 @@
           <a:graphicData uri="http://schemas.openxmlformats.org/presentationml/2006/ole">
             <mc:AlternateContent xmlns:mc="http://schemas.openxmlformats.org/markup-compatibility/2006">
               <mc:Choice xmlns:v="urn:schemas-microsoft-com:vml" Requires="v">
-                <p:oleObj spid="_x0000_s1062" name="Equation" r:id="rId3" imgW="2222280" imgH="419040" progId="Equation.3">
+                <p:oleObj name="Equation" r:id="rId2" imgW="2222280" imgH="419040" progId="Equation.3">
                   <p:embed/>
                 </p:oleObj>
               </mc:Choice>
               <mc:Fallback>
-                <p:oleObj name="Equation" r:id="rId3" imgW="2222280" imgH="419040" progId="Equation.3">
+                <p:oleObj name="Equation" r:id="rId2" imgW="2222280" imgH="419040" progId="Equation.3">
                   <p:embed/>
                   <p:pic>
                     <p:nvPicPr>
@@ -5885,7 +6309,7 @@
                       <p:nvPr/>
                     </p:nvPicPr>
                     <p:blipFill>
-                      <a:blip r:embed="rId4">
+                      <a:blip r:embed="rId3">
                         <a:extLst>
                           <a:ext uri="{28A0092B-C50C-407E-A947-70E740481C1C}">
                             <a14:useLocalDpi xmlns:a14="http://schemas.microsoft.com/office/drawing/2010/main" val="0"/>
@@ -5939,12 +6363,12 @@
           <a:graphicData uri="http://schemas.openxmlformats.org/presentationml/2006/ole">
             <mc:AlternateContent xmlns:mc="http://schemas.openxmlformats.org/markup-compatibility/2006">
               <mc:Choice xmlns:v="urn:schemas-microsoft-com:vml" Requires="v">
-                <p:oleObj spid="_x0000_s1063" name="Equation" r:id="rId5" imgW="3340080" imgH="393480" progId="Equation.3">
+                <p:oleObj name="Equation" r:id="rId4" imgW="3340080" imgH="393480" progId="Equation.3">
                   <p:embed/>
                 </p:oleObj>
               </mc:Choice>
               <mc:Fallback>
-                <p:oleObj name="Equation" r:id="rId5" imgW="3340080" imgH="393480" progId="Equation.3">
+                <p:oleObj name="Equation" r:id="rId4" imgW="3340080" imgH="393480" progId="Equation.3">
                   <p:embed/>
                   <p:pic>
                     <p:nvPicPr>
@@ -5955,7 +6379,7 @@
                       <p:nvPr/>
                     </p:nvPicPr>
                     <p:blipFill>
-                      <a:blip r:embed="rId6">
+                      <a:blip r:embed="rId5">
                         <a:extLst>
                           <a:ext uri="{28A0092B-C50C-407E-A947-70E740481C1C}">
                             <a14:useLocalDpi xmlns:a14="http://schemas.microsoft.com/office/drawing/2010/main" val="0"/>
@@ -6009,12 +6433,12 @@
           <a:graphicData uri="http://schemas.openxmlformats.org/presentationml/2006/ole">
             <mc:AlternateContent xmlns:mc="http://schemas.openxmlformats.org/markup-compatibility/2006">
               <mc:Choice xmlns:v="urn:schemas-microsoft-com:vml" Requires="v">
-                <p:oleObj spid="_x0000_s1064" name="Equation" r:id="rId7" imgW="634680" imgH="393480" progId="Equation.3">
+                <p:oleObj name="Equation" r:id="rId6" imgW="634680" imgH="393480" progId="Equation.3">
                   <p:embed/>
                 </p:oleObj>
               </mc:Choice>
               <mc:Fallback>
-                <p:oleObj name="Equation" r:id="rId7" imgW="634680" imgH="393480" progId="Equation.3">
+                <p:oleObj name="Equation" r:id="rId6" imgW="634680" imgH="393480" progId="Equation.3">
                   <p:embed/>
                   <p:pic>
                     <p:nvPicPr>
@@ -6025,7 +6449,7 @@
                       <p:nvPr/>
                     </p:nvPicPr>
                     <p:blipFill>
-                      <a:blip r:embed="rId8">
+                      <a:blip r:embed="rId7">
                         <a:extLst>
                           <a:ext uri="{28A0092B-C50C-407E-A947-70E740481C1C}">
                             <a14:useLocalDpi xmlns:a14="http://schemas.microsoft.com/office/drawing/2010/main" val="0"/>
@@ -6079,12 +6503,12 @@
           <a:graphicData uri="http://schemas.openxmlformats.org/presentationml/2006/ole">
             <mc:AlternateContent xmlns:mc="http://schemas.openxmlformats.org/markup-compatibility/2006">
               <mc:Choice xmlns:v="urn:schemas-microsoft-com:vml" Requires="v">
-                <p:oleObj spid="_x0000_s1065" name="Equation" r:id="rId9" imgW="495000" imgH="393480" progId="Equation.3">
+                <p:oleObj name="Equation" r:id="rId8" imgW="495000" imgH="393480" progId="Equation.3">
                   <p:embed/>
                 </p:oleObj>
               </mc:Choice>
               <mc:Fallback>
-                <p:oleObj name="Equation" r:id="rId9" imgW="495000" imgH="393480" progId="Equation.3">
+                <p:oleObj name="Equation" r:id="rId8" imgW="495000" imgH="393480" progId="Equation.3">
                   <p:embed/>
                   <p:pic>
                     <p:nvPicPr>
@@ -6095,7 +6519,7 @@
                       <p:nvPr/>
                     </p:nvPicPr>
                     <p:blipFill>
-                      <a:blip r:embed="rId10">
+                      <a:blip r:embed="rId9">
                         <a:extLst>
                           <a:ext uri="{28A0092B-C50C-407E-A947-70E740481C1C}">
                             <a14:useLocalDpi xmlns:a14="http://schemas.microsoft.com/office/drawing/2010/main" val="0"/>
@@ -6149,12 +6573,12 @@
           <a:graphicData uri="http://schemas.openxmlformats.org/presentationml/2006/ole">
             <mc:AlternateContent xmlns:mc="http://schemas.openxmlformats.org/markup-compatibility/2006">
               <mc:Choice xmlns:v="urn:schemas-microsoft-com:vml" Requires="v">
-                <p:oleObj spid="_x0000_s1066" name="Equation" r:id="rId11" imgW="114120" imgH="215640" progId="Equation.3">
+                <p:oleObj name="Equation" r:id="rId10" imgW="114120" imgH="215640" progId="Equation.3">
                   <p:embed/>
                 </p:oleObj>
               </mc:Choice>
               <mc:Fallback>
-                <p:oleObj name="Equation" r:id="rId11" imgW="114120" imgH="215640" progId="Equation.3">
+                <p:oleObj name="Equation" r:id="rId10" imgW="114120" imgH="215640" progId="Equation.3">
                   <p:embed/>
                   <p:pic>
                     <p:nvPicPr>
@@ -6165,7 +6589,7 @@
                       <p:nvPr/>
                     </p:nvPicPr>
                     <p:blipFill>
-                      <a:blip r:embed="rId12">
+                      <a:blip r:embed="rId11">
                         <a:extLst>
                           <a:ext uri="{28A0092B-C50C-407E-A947-70E740481C1C}">
                             <a14:useLocalDpi xmlns:a14="http://schemas.microsoft.com/office/drawing/2010/main" val="0"/>
@@ -6296,12 +6720,12 @@
           <a:graphicData uri="http://schemas.openxmlformats.org/presentationml/2006/ole">
             <mc:AlternateContent xmlns:mc="http://schemas.openxmlformats.org/markup-compatibility/2006">
               <mc:Choice xmlns:v="urn:schemas-microsoft-com:vml" Requires="v">
-                <p:oleObj spid="_x0000_s1067" name="Equation" r:id="rId13" imgW="1498320" imgH="419040" progId="Equation.3">
+                <p:oleObj name="Equation" r:id="rId12" imgW="1498320" imgH="419040" progId="Equation.3">
                   <p:embed/>
                 </p:oleObj>
               </mc:Choice>
               <mc:Fallback>
-                <p:oleObj name="Equation" r:id="rId13" imgW="1498320" imgH="419040" progId="Equation.3">
+                <p:oleObj name="Equation" r:id="rId12" imgW="1498320" imgH="419040" progId="Equation.3">
                   <p:embed/>
                   <p:pic>
                     <p:nvPicPr>
@@ -6312,7 +6736,7 @@
                       <p:nvPr/>
                     </p:nvPicPr>
                     <p:blipFill>
-                      <a:blip r:embed="rId14">
+                      <a:blip r:embed="rId13">
                         <a:extLst>
                           <a:ext uri="{28A0092B-C50C-407E-A947-70E740481C1C}">
                             <a14:useLocalDpi xmlns:a14="http://schemas.microsoft.com/office/drawing/2010/main" val="0"/>
@@ -6350,6 +6774,261 @@
           </a:graphicData>
         </a:graphic>
       </p:graphicFrame>
+      <mc:AlternateContent xmlns:mc="http://schemas.openxmlformats.org/markup-compatibility/2006">
+        <mc:Choice xmlns:p14="http://schemas.microsoft.com/office/powerpoint/2010/main" Requires="p14">
+          <p:contentPart p14:bwMode="auto" r:id="rId14">
+            <p14:nvContentPartPr>
+              <p14:cNvPr id="2" name="Ink 1">
+                <a:extLst>
+                  <a:ext uri="{FF2B5EF4-FFF2-40B4-BE49-F238E27FC236}">
+                    <a16:creationId xmlns:a16="http://schemas.microsoft.com/office/drawing/2014/main" id="{E5165D79-95CD-D034-1E13-B66C2F53FAB4}"/>
+                  </a:ext>
+                </a:extLst>
+              </p14:cNvPr>
+              <p14:cNvContentPartPr/>
+              <p14:nvPr/>
+            </p14:nvContentPartPr>
+            <p14:xfrm>
+              <a:off x="3344896" y="1862231"/>
+              <a:ext cx="51480" cy="797400"/>
+            </p14:xfrm>
+          </p:contentPart>
+        </mc:Choice>
+        <mc:Fallback>
+          <p:pic>
+            <p:nvPicPr>
+              <p:cNvPr id="2" name="Ink 1">
+                <a:extLst>
+                  <a:ext uri="{FF2B5EF4-FFF2-40B4-BE49-F238E27FC236}">
+                    <a16:creationId xmlns:a16="http://schemas.microsoft.com/office/drawing/2014/main" id="{E5165D79-95CD-D034-1E13-B66C2F53FAB4}"/>
+                  </a:ext>
+                </a:extLst>
+              </p:cNvPr>
+              <p:cNvPicPr/>
+              <p:nvPr/>
+            </p:nvPicPr>
+            <p:blipFill>
+              <a:blip r:embed="rId15"/>
+              <a:stretch>
+                <a:fillRect/>
+              </a:stretch>
+            </p:blipFill>
+            <p:spPr>
+              <a:xfrm>
+                <a:off x="3327256" y="1844231"/>
+                <a:ext cx="87120" cy="833040"/>
+              </a:xfrm>
+              <a:prstGeom prst="rect">
+                <a:avLst/>
+              </a:prstGeom>
+            </p:spPr>
+          </p:pic>
+        </mc:Fallback>
+      </mc:AlternateContent>
+      <mc:AlternateContent xmlns:mc="http://schemas.openxmlformats.org/markup-compatibility/2006">
+        <mc:Choice xmlns:p14="http://schemas.microsoft.com/office/powerpoint/2010/main" Requires="p14">
+          <p:contentPart p14:bwMode="auto" r:id="rId16">
+            <p14:nvContentPartPr>
+              <p14:cNvPr id="3" name="Ink 2">
+                <a:extLst>
+                  <a:ext uri="{FF2B5EF4-FFF2-40B4-BE49-F238E27FC236}">
+                    <a16:creationId xmlns:a16="http://schemas.microsoft.com/office/drawing/2014/main" id="{19650BEE-9EC5-1D22-B371-722F81E5C24D}"/>
+                  </a:ext>
+                </a:extLst>
+              </p14:cNvPr>
+              <p14:cNvContentPartPr/>
+              <p14:nvPr/>
+            </p14:nvContentPartPr>
+            <p14:xfrm>
+              <a:off x="3356776" y="1759631"/>
+              <a:ext cx="6448320" cy="734400"/>
+            </p14:xfrm>
+          </p:contentPart>
+        </mc:Choice>
+        <mc:Fallback>
+          <p:pic>
+            <p:nvPicPr>
+              <p:cNvPr id="3" name="Ink 2">
+                <a:extLst>
+                  <a:ext uri="{FF2B5EF4-FFF2-40B4-BE49-F238E27FC236}">
+                    <a16:creationId xmlns:a16="http://schemas.microsoft.com/office/drawing/2014/main" id="{19650BEE-9EC5-1D22-B371-722F81E5C24D}"/>
+                  </a:ext>
+                </a:extLst>
+              </p:cNvPr>
+              <p:cNvPicPr/>
+              <p:nvPr/>
+            </p:nvPicPr>
+            <p:blipFill>
+              <a:blip r:embed="rId17"/>
+              <a:stretch>
+                <a:fillRect/>
+              </a:stretch>
+            </p:blipFill>
+            <p:spPr>
+              <a:xfrm>
+                <a:off x="3339136" y="1741631"/>
+                <a:ext cx="6483960" cy="770040"/>
+              </a:xfrm>
+              <a:prstGeom prst="rect">
+                <a:avLst/>
+              </a:prstGeom>
+            </p:spPr>
+          </p:pic>
+        </mc:Fallback>
+      </mc:AlternateContent>
+      <mc:AlternateContent xmlns:mc="http://schemas.openxmlformats.org/markup-compatibility/2006">
+        <mc:Choice xmlns:p14="http://schemas.microsoft.com/office/powerpoint/2010/main" Requires="p14">
+          <p:contentPart p14:bwMode="auto" r:id="rId18">
+            <p14:nvContentPartPr>
+              <p14:cNvPr id="6" name="Ink 5">
+                <a:extLst>
+                  <a:ext uri="{FF2B5EF4-FFF2-40B4-BE49-F238E27FC236}">
+                    <a16:creationId xmlns:a16="http://schemas.microsoft.com/office/drawing/2014/main" id="{79B93805-0D2A-197E-8214-77CA82A3DBAC}"/>
+                  </a:ext>
+                </a:extLst>
+              </p14:cNvPr>
+              <p14:cNvContentPartPr/>
+              <p14:nvPr/>
+            </p14:nvContentPartPr>
+            <p14:xfrm>
+              <a:off x="3436336" y="2471711"/>
+              <a:ext cx="6488280" cy="172440"/>
+            </p14:xfrm>
+          </p:contentPart>
+        </mc:Choice>
+        <mc:Fallback>
+          <p:pic>
+            <p:nvPicPr>
+              <p:cNvPr id="6" name="Ink 5">
+                <a:extLst>
+                  <a:ext uri="{FF2B5EF4-FFF2-40B4-BE49-F238E27FC236}">
+                    <a16:creationId xmlns:a16="http://schemas.microsoft.com/office/drawing/2014/main" id="{79B93805-0D2A-197E-8214-77CA82A3DBAC}"/>
+                  </a:ext>
+                </a:extLst>
+              </p:cNvPr>
+              <p:cNvPicPr/>
+              <p:nvPr/>
+            </p:nvPicPr>
+            <p:blipFill>
+              <a:blip r:embed="rId19"/>
+              <a:stretch>
+                <a:fillRect/>
+              </a:stretch>
+            </p:blipFill>
+            <p:spPr>
+              <a:xfrm>
+                <a:off x="3418696" y="2453711"/>
+                <a:ext cx="6523920" cy="208080"/>
+              </a:xfrm>
+              <a:prstGeom prst="rect">
+                <a:avLst/>
+              </a:prstGeom>
+            </p:spPr>
+          </p:pic>
+        </mc:Fallback>
+      </mc:AlternateContent>
+      <mc:AlternateContent xmlns:mc="http://schemas.openxmlformats.org/markup-compatibility/2006">
+        <mc:Choice xmlns:p14="http://schemas.microsoft.com/office/powerpoint/2010/main" Requires="p14">
+          <p:contentPart p14:bwMode="auto" r:id="rId20">
+            <p14:nvContentPartPr>
+              <p14:cNvPr id="7" name="Ink 6">
+                <a:extLst>
+                  <a:ext uri="{FF2B5EF4-FFF2-40B4-BE49-F238E27FC236}">
+                    <a16:creationId xmlns:a16="http://schemas.microsoft.com/office/drawing/2014/main" id="{2EE933ED-96BA-8121-0112-C5EF3E9A0596}"/>
+                  </a:ext>
+                </a:extLst>
+              </p14:cNvPr>
+              <p14:cNvContentPartPr/>
+              <p14:nvPr/>
+            </p14:nvContentPartPr>
+            <p14:xfrm>
+              <a:off x="3368296" y="3796511"/>
+              <a:ext cx="1831320" cy="995040"/>
+            </p14:xfrm>
+          </p:contentPart>
+        </mc:Choice>
+        <mc:Fallback>
+          <p:pic>
+            <p:nvPicPr>
+              <p:cNvPr id="7" name="Ink 6">
+                <a:extLst>
+                  <a:ext uri="{FF2B5EF4-FFF2-40B4-BE49-F238E27FC236}">
+                    <a16:creationId xmlns:a16="http://schemas.microsoft.com/office/drawing/2014/main" id="{2EE933ED-96BA-8121-0112-C5EF3E9A0596}"/>
+                  </a:ext>
+                </a:extLst>
+              </p:cNvPr>
+              <p:cNvPicPr/>
+              <p:nvPr/>
+            </p:nvPicPr>
+            <p:blipFill>
+              <a:blip r:embed="rId21"/>
+              <a:stretch>
+                <a:fillRect/>
+              </a:stretch>
+            </p:blipFill>
+            <p:spPr>
+              <a:xfrm>
+                <a:off x="3350296" y="3778871"/>
+                <a:ext cx="1866960" cy="1030680"/>
+              </a:xfrm>
+              <a:prstGeom prst="rect">
+                <a:avLst/>
+              </a:prstGeom>
+            </p:spPr>
+          </p:pic>
+        </mc:Fallback>
+      </mc:AlternateContent>
+      <mc:AlternateContent xmlns:mc="http://schemas.openxmlformats.org/markup-compatibility/2006">
+        <mc:Choice xmlns:p14="http://schemas.microsoft.com/office/powerpoint/2010/main" Requires="p14">
+          <p:contentPart p14:bwMode="auto" r:id="rId22">
+            <p14:nvContentPartPr>
+              <p14:cNvPr id="8" name="Ink 7">
+                <a:extLst>
+                  <a:ext uri="{FF2B5EF4-FFF2-40B4-BE49-F238E27FC236}">
+                    <a16:creationId xmlns:a16="http://schemas.microsoft.com/office/drawing/2014/main" id="{58E929C8-DC2A-59FC-B68B-087DA157807B}"/>
+                  </a:ext>
+                </a:extLst>
+              </p14:cNvPr>
+              <p14:cNvContentPartPr/>
+              <p14:nvPr/>
+            </p14:nvContentPartPr>
+            <p14:xfrm>
+              <a:off x="2712736" y="5550071"/>
+              <a:ext cx="1421640" cy="945720"/>
+            </p14:xfrm>
+          </p:contentPart>
+        </mc:Choice>
+        <mc:Fallback>
+          <p:pic>
+            <p:nvPicPr>
+              <p:cNvPr id="8" name="Ink 7">
+                <a:extLst>
+                  <a:ext uri="{FF2B5EF4-FFF2-40B4-BE49-F238E27FC236}">
+                    <a16:creationId xmlns:a16="http://schemas.microsoft.com/office/drawing/2014/main" id="{58E929C8-DC2A-59FC-B68B-087DA157807B}"/>
+                  </a:ext>
+                </a:extLst>
+              </p:cNvPr>
+              <p:cNvPicPr/>
+              <p:nvPr/>
+            </p:nvPicPr>
+            <p:blipFill>
+              <a:blip r:embed="rId23"/>
+              <a:stretch>
+                <a:fillRect/>
+              </a:stretch>
+            </p:blipFill>
+            <p:spPr>
+              <a:xfrm>
+                <a:off x="2694736" y="5532431"/>
+                <a:ext cx="1457280" cy="981360"/>
+              </a:xfrm>
+              <a:prstGeom prst="rect">
+                <a:avLst/>
+              </a:prstGeom>
+            </p:spPr>
+          </p:pic>
+        </mc:Fallback>
+      </mc:AlternateContent>
     </p:spTree>
     <p:extLst>
       <p:ext uri="{BB962C8B-B14F-4D97-AF65-F5344CB8AC3E}">
@@ -6493,71 +7172,12 @@
       </p:grpSpPr>
       <p:sp>
         <p:nvSpPr>
-          <p:cNvPr id="2" name="Title 1"/>
-          <p:cNvSpPr>
-            <a:spLocks noGrp="1"/>
-          </p:cNvSpPr>
-          <p:nvPr>
-            <p:ph type="title"/>
-          </p:nvPr>
-        </p:nvSpPr>
-        <p:spPr/>
-        <p:txBody>
-          <a:bodyPr>
-            <a:normAutofit fontScale="90000"/>
-          </a:bodyPr>
-          <a:lstStyle/>
-          <a:p>
-            <a:endParaRPr lang="en-IN"/>
-          </a:p>
-        </p:txBody>
-      </p:sp>
-      <p:sp>
-        <p:nvSpPr>
           <p:cNvPr id="3" name="Text Placeholder 2"/>
           <p:cNvSpPr>
             <a:spLocks noGrp="1"/>
           </p:cNvSpPr>
           <p:nvPr>
             <p:ph type="body" sz="half" idx="1"/>
-          </p:nvPr>
-        </p:nvSpPr>
-        <p:spPr/>
-        <p:txBody>
-          <a:bodyPr/>
-          <a:lstStyle/>
-          <a:p>
-            <a:endParaRPr lang="en-IN"/>
-          </a:p>
-        </p:txBody>
-      </p:sp>
-      <p:sp>
-        <p:nvSpPr>
-          <p:cNvPr id="4" name="Content Placeholder 3"/>
-          <p:cNvSpPr>
-            <a:spLocks noGrp="1"/>
-          </p:cNvSpPr>
-          <p:nvPr>
-            <p:ph sz="quarter" idx="2"/>
-          </p:nvPr>
-        </p:nvSpPr>
-        <p:spPr/>
-        <p:txBody>
-          <a:bodyPr/>
-          <a:lstStyle/>
-          <a:p>
-            <a:endParaRPr lang="en-IN"/>
-          </a:p>
-        </p:txBody>
-      </p:sp>
-      <p:sp>
-        <p:nvSpPr>
-          <p:cNvPr id="5" name="Content Placeholder 4"/>
-          <p:cNvSpPr>
-            <a:spLocks noGrp="1"/>
-          </p:cNvSpPr>
-          <p:nvPr>
-            <p:ph sz="quarter" idx="3"/>
           </p:nvPr>
         </p:nvSpPr>
         <p:spPr/>
@@ -6615,7 +7235,7 @@
         <p:spPr>
           <a:xfrm>
             <a:off x="0" y="0"/>
-            <a:ext cx="9218487" cy="7014690"/>
+            <a:ext cx="8971005" cy="6826372"/>
           </a:xfrm>
           <a:prstGeom prst="rect">
             <a:avLst/>
